--- a/FeatureEngineering.pptx
+++ b/FeatureEngineering.pptx
@@ -147,7 +147,7 @@
 <file path=ppt/revisionInfo.xml><?xml version="1.0" encoding="utf-8"?>
 <p1510:revInfo xmlns:a="http://schemas.openxmlformats.org/drawingml/2006/main" xmlns:r="http://schemas.openxmlformats.org/officeDocument/2006/relationships" xmlns:p1510="http://schemas.microsoft.com/office/powerpoint/2015/10/main">
   <p1510:revLst>
-    <p1510:client id="{3525C4B3-8D44-45A4-B277-8184B650F27C}" v="38" dt="2021-03-06T00:10:18.859"/>
+    <p1510:client id="{359878E2-3CA3-4F39-AE51-4155354E3EC0}" v="1" dt="2021-03-16T15:16:20.571"/>
   </p1510:revLst>
 </p1510:revInfo>
 </file>
@@ -1573,6 +1573,30 @@
     </pc:docChg>
   </pc:docChgLst>
   <pc:docChgLst>
+    <pc:chgData name="Rachael Phillips" userId="c1c1c4a1fd3fec86" providerId="LiveId" clId="{359878E2-3CA3-4F39-AE51-4155354E3EC0}"/>
+    <pc:docChg chg="modSld">
+      <pc:chgData name="Rachael Phillips" userId="c1c1c4a1fd3fec86" providerId="LiveId" clId="{359878E2-3CA3-4F39-AE51-4155354E3EC0}" dt="2021-03-16T15:16:20.570" v="0" actId="14100"/>
+      <pc:docMkLst>
+        <pc:docMk/>
+      </pc:docMkLst>
+      <pc:sldChg chg="modSp">
+        <pc:chgData name="Rachael Phillips" userId="c1c1c4a1fd3fec86" providerId="LiveId" clId="{359878E2-3CA3-4F39-AE51-4155354E3EC0}" dt="2021-03-16T15:16:20.570" v="0" actId="14100"/>
+        <pc:sldMkLst>
+          <pc:docMk/>
+          <pc:sldMk cId="2357095613" sldId="266"/>
+        </pc:sldMkLst>
+        <pc:picChg chg="mod">
+          <ac:chgData name="Rachael Phillips" userId="c1c1c4a1fd3fec86" providerId="LiveId" clId="{359878E2-3CA3-4F39-AE51-4155354E3EC0}" dt="2021-03-16T15:16:20.570" v="0" actId="14100"/>
+          <ac:picMkLst>
+            <pc:docMk/>
+            <pc:sldMk cId="2357095613" sldId="266"/>
+            <ac:picMk id="4" creationId="{B5E49E7C-7A20-40D0-B878-68FA1DC33170}"/>
+          </ac:picMkLst>
+        </pc:picChg>
+      </pc:sldChg>
+    </pc:docChg>
+  </pc:docChgLst>
+  <pc:docChgLst>
     <pc:chgData name="Cole Johnstone" userId="55957171-3447-4dbb-b024-ed48c3591997" providerId="ADAL" clId="{6A446804-B496-7446-82FB-7BFBF07FBF83}"/>
     <pc:docChg chg="custSel modSld modMainMaster">
       <pc:chgData name="Cole Johnstone" userId="55957171-3447-4dbb-b024-ed48c3591997" providerId="ADAL" clId="{6A446804-B496-7446-82FB-7BFBF07FBF83}" dt="2019-07-31T22:27:29.160" v="9" actId="14826"/>
@@ -1811,7 +1835,7 @@
           <a:p>
             <a:fld id="{997455B6-9A24-7544-89A7-F89244366E24}" type="datetimeFigureOut">
               <a:rPr lang="en-US" smtClean="0"/>
-              <a:t>3/5/2021</a:t>
+              <a:t>3/16/2021</a:t>
             </a:fld>
             <a:endParaRPr lang="en-US"/>
           </a:p>
@@ -2885,7 +2909,7 @@
             <a:fld id="{B61BEF0D-F0BB-DE4B-95CE-6DB70DBA9567}" type="datetimeFigureOut">
               <a:rPr lang="en-US" dirty="0"/>
               <a:pPr/>
-              <a:t>3/5/2021</a:t>
+              <a:t>3/16/2021</a:t>
             </a:fld>
             <a:endParaRPr lang="en-US" dirty="0"/>
           </a:p>
@@ -3138,7 +3162,7 @@
             <a:fld id="{B61BEF0D-F0BB-DE4B-95CE-6DB70DBA9567}" type="datetimeFigureOut">
               <a:rPr lang="en-US" dirty="0"/>
               <a:pPr/>
-              <a:t>3/5/2021</a:t>
+              <a:t>3/16/2021</a:t>
             </a:fld>
             <a:endParaRPr lang="en-US" dirty="0"/>
           </a:p>
@@ -3454,7 +3478,7 @@
             <a:fld id="{B61BEF0D-F0BB-DE4B-95CE-6DB70DBA9567}" type="datetimeFigureOut">
               <a:rPr lang="en-US" dirty="0"/>
               <a:pPr/>
-              <a:t>3/5/2021</a:t>
+              <a:t>3/16/2021</a:t>
             </a:fld>
             <a:endParaRPr lang="en-US" dirty="0"/>
           </a:p>
@@ -3797,7 +3821,7 @@
             <a:fld id="{B61BEF0D-F0BB-DE4B-95CE-6DB70DBA9567}" type="datetimeFigureOut">
               <a:rPr lang="en-US" dirty="0"/>
               <a:pPr/>
-              <a:t>3/5/2021</a:t>
+              <a:t>3/16/2021</a:t>
             </a:fld>
             <a:endParaRPr lang="en-US" dirty="0"/>
           </a:p>
@@ -4113,7 +4137,7 @@
             <a:fld id="{B61BEF0D-F0BB-DE4B-95CE-6DB70DBA9567}" type="datetimeFigureOut">
               <a:rPr lang="en-US" dirty="0"/>
               <a:pPr/>
-              <a:t>3/5/2021</a:t>
+              <a:t>3/16/2021</a:t>
             </a:fld>
             <a:endParaRPr lang="en-US" dirty="0"/>
           </a:p>
@@ -4508,7 +4532,7 @@
             <a:fld id="{B61BEF0D-F0BB-DE4B-95CE-6DB70DBA9567}" type="datetimeFigureOut">
               <a:rPr lang="en-US" dirty="0"/>
               <a:pPr/>
-              <a:t>3/5/2021</a:t>
+              <a:t>3/16/2021</a:t>
             </a:fld>
             <a:endParaRPr lang="en-US" dirty="0"/>
           </a:p>
@@ -4679,7 +4703,7 @@
           <a:p>
             <a:fld id="{55C6B4A9-1611-4792-9094-5F34BCA07E0B}" type="datetimeFigureOut">
               <a:rPr lang="en-US" dirty="0"/>
-              <a:t>3/5/2021</a:t>
+              <a:t>3/16/2021</a:t>
             </a:fld>
             <a:endParaRPr lang="en-US" dirty="0"/>
           </a:p>
@@ -4860,7 +4884,7 @@
             <a:fld id="{B61BEF0D-F0BB-DE4B-95CE-6DB70DBA9567}" type="datetimeFigureOut">
               <a:rPr lang="en-US" dirty="0"/>
               <a:pPr/>
-              <a:t>3/5/2021</a:t>
+              <a:t>3/16/2021</a:t>
             </a:fld>
             <a:endParaRPr lang="en-US" dirty="0"/>
           </a:p>
@@ -5759,7 +5783,7 @@
             <a:fld id="{B61BEF0D-F0BB-DE4B-95CE-6DB70DBA9567}" type="datetimeFigureOut">
               <a:rPr lang="en-US" dirty="0"/>
               <a:pPr/>
-              <a:t>3/5/2021</a:t>
+              <a:t>3/16/2021</a:t>
             </a:fld>
             <a:endParaRPr lang="en-US" dirty="0"/>
           </a:p>
@@ -10043,7 +10067,7 @@
             <a:fld id="{B61BEF0D-F0BB-DE4B-95CE-6DB70DBA9567}" type="datetimeFigureOut">
               <a:rPr lang="en-US" dirty="0"/>
               <a:pPr/>
-              <a:t>3/5/2021</a:t>
+              <a:t>3/16/2021</a:t>
             </a:fld>
             <a:endParaRPr lang="en-US" dirty="0"/>
           </a:p>
@@ -12639,7 +12663,7 @@
           <a:p>
             <a:fld id="{EB712588-04B1-427B-82EE-E8DB90309F08}" type="datetimeFigureOut">
               <a:rPr lang="en-US" dirty="0"/>
-              <a:t>3/5/2021</a:t>
+              <a:t>3/16/2021</a:t>
             </a:fld>
             <a:endParaRPr lang="en-US" dirty="0"/>
           </a:p>
@@ -13014,7 +13038,7 @@
             <a:fld id="{B61BEF0D-F0BB-DE4B-95CE-6DB70DBA9567}" type="datetimeFigureOut">
               <a:rPr lang="en-US" dirty="0"/>
               <a:pPr/>
-              <a:t>3/5/2021</a:t>
+              <a:t>3/16/2021</a:t>
             </a:fld>
             <a:endParaRPr lang="en-US" dirty="0"/>
           </a:p>
@@ -13139,7 +13163,7 @@
             <a:fld id="{B61BEF0D-F0BB-DE4B-95CE-6DB70DBA9567}" type="datetimeFigureOut">
               <a:rPr lang="en-US" dirty="0"/>
               <a:pPr/>
-              <a:t>3/5/2021</a:t>
+              <a:t>3/16/2021</a:t>
             </a:fld>
             <a:endParaRPr lang="en-US" dirty="0"/>
           </a:p>
@@ -13236,7 +13260,7 @@
             <a:fld id="{B61BEF0D-F0BB-DE4B-95CE-6DB70DBA9567}" type="datetimeFigureOut">
               <a:rPr lang="en-US" dirty="0"/>
               <a:pPr/>
-              <a:t>3/5/2021</a:t>
+              <a:t>3/16/2021</a:t>
             </a:fld>
             <a:endParaRPr lang="en-US" dirty="0"/>
           </a:p>
@@ -13492,7 +13516,7 @@
           <a:p>
             <a:fld id="{42A54C80-263E-416B-A8E0-580EDEADCBDC}" type="datetimeFigureOut">
               <a:rPr lang="en-US" dirty="0"/>
-              <a:t>3/5/2021</a:t>
+              <a:t>3/16/2021</a:t>
             </a:fld>
             <a:endParaRPr lang="en-US" dirty="0"/>
           </a:p>
@@ -13756,7 +13780,7 @@
             <a:fld id="{B61BEF0D-F0BB-DE4B-95CE-6DB70DBA9567}" type="datetimeFigureOut">
               <a:rPr lang="en-US" dirty="0"/>
               <a:pPr/>
-              <a:t>3/5/2021</a:t>
+              <a:t>3/16/2021</a:t>
             </a:fld>
             <a:endParaRPr lang="en-US" dirty="0"/>
           </a:p>
@@ -14501,7 +14525,7 @@
             <a:fld id="{B61BEF0D-F0BB-DE4B-95CE-6DB70DBA9567}" type="datetimeFigureOut">
               <a:rPr lang="en-US" dirty="0"/>
               <a:pPr/>
-              <a:t>3/5/2021</a:t>
+              <a:t>3/16/2021</a:t>
             </a:fld>
             <a:endParaRPr lang="en-US" dirty="0"/>
           </a:p>
@@ -30640,8 +30664,8 @@
         </p:blipFill>
         <p:spPr bwMode="auto">
           <a:xfrm>
-            <a:off x="5382964" y="2604052"/>
-            <a:ext cx="6671903" cy="4069842"/>
+            <a:off x="6096000" y="3039002"/>
+            <a:ext cx="5958867" cy="3634892"/>
           </a:xfrm>
           <a:prstGeom prst="rect">
             <a:avLst/>
@@ -35488,31 +35512,6 @@
 </file>
 
 <file path=customXml/item1.xml><?xml version="1.0" encoding="utf-8"?>
-<p:properties xmlns:p="http://schemas.microsoft.com/office/2006/metadata/properties" xmlns:xsi="http://www.w3.org/2001/XMLSchema-instance" xmlns:pc="http://schemas.microsoft.com/office/infopath/2007/PartnerControls">
-  <documentManagement>
-    <SharedWithUsers xmlns="a7c3daa9-1cd8-41a7-bff7-379b10ca1e4d">
-      <UserInfo>
-        <DisplayName>Cole Johnstone</DisplayName>
-        <AccountId>44</AccountId>
-        <AccountType/>
-      </UserInfo>
-    </SharedWithUsers>
-    <_Flow_SignoffStatus xmlns="db86de20-5b36-4379-a333-8815ffcbadc9" xsi:nil="true"/>
-    <Button xmlns="db86de20-5b36-4379-a333-8815ffcbadc9" xsi:nil="true"/>
-  </documentManagement>
-</p:properties>
-</file>
-
-<file path=customXml/item2.xml><?xml version="1.0" encoding="utf-8"?>
-<?mso-contentType ?>
-<FormTemplates xmlns="http://schemas.microsoft.com/sharepoint/v3/contenttype/forms">
-  <Display>DocumentLibraryForm</Display>
-  <Edit>DocumentLibraryForm</Edit>
-  <New>DocumentLibraryForm</New>
-</FormTemplates>
-</file>
-
-<file path=customXml/item3.xml><?xml version="1.0" encoding="utf-8"?>
 <ct:contentTypeSchema xmlns:ct="http://schemas.microsoft.com/office/2006/metadata/contentType" xmlns:ma="http://schemas.microsoft.com/office/2006/metadata/properties/metaAttributes" ct:_="" ma:_="" ma:contentTypeName="Document" ma:contentTypeID="0x0101004ABCA04BEDB154499E5793D527577F99" ma:contentTypeVersion="24" ma:contentTypeDescription="Create a new document." ma:contentTypeScope="" ma:versionID="4217dfd81ba5c67b210dfdac5c08a4bd">
   <xsd:schema xmlns:xsd="http://www.w3.org/2001/XMLSchema" xmlns:xs="http://www.w3.org/2001/XMLSchema" xmlns:p="http://schemas.microsoft.com/office/2006/metadata/properties" xmlns:ns2="db86de20-5b36-4379-a333-8815ffcbadc9" xmlns:ns3="a7c3daa9-1cd8-41a7-bff7-379b10ca1e4d" targetNamespace="http://schemas.microsoft.com/office/2006/metadata/properties" ma:root="true" ma:fieldsID="b74614eeb28fc9fff94816269074bb93" ns2:_="" ns3:_="">
     <xsd:import namespace="db86de20-5b36-4379-a333-8815ffcbadc9"/>
@@ -35743,7 +35742,59 @@
 </ct:contentTypeSchema>
 </file>
 
+<file path=customXml/item2.xml><?xml version="1.0" encoding="utf-8"?>
+<?mso-contentType ?>
+<FormTemplates xmlns="http://schemas.microsoft.com/sharepoint/v3/contenttype/forms">
+  <Display>DocumentLibraryForm</Display>
+  <Edit>DocumentLibraryForm</Edit>
+  <New>DocumentLibraryForm</New>
+</FormTemplates>
+</file>
+
+<file path=customXml/item3.xml><?xml version="1.0" encoding="utf-8"?>
+<p:properties xmlns:p="http://schemas.microsoft.com/office/2006/metadata/properties" xmlns:xsi="http://www.w3.org/2001/XMLSchema-instance" xmlns:pc="http://schemas.microsoft.com/office/infopath/2007/PartnerControls">
+  <documentManagement>
+    <SharedWithUsers xmlns="a7c3daa9-1cd8-41a7-bff7-379b10ca1e4d">
+      <UserInfo>
+        <DisplayName>Cole Johnstone</DisplayName>
+        <AccountId>44</AccountId>
+        <AccountType/>
+      </UserInfo>
+    </SharedWithUsers>
+    <_Flow_SignoffStatus xmlns="db86de20-5b36-4379-a333-8815ffcbadc9" xsi:nil="true"/>
+    <Button xmlns="db86de20-5b36-4379-a333-8815ffcbadc9" xsi:nil="true"/>
+  </documentManagement>
+</p:properties>
+</file>
+
 <file path=customXml/itemProps1.xml><?xml version="1.0" encoding="utf-8"?>
+<ds:datastoreItem xmlns:ds="http://schemas.openxmlformats.org/officeDocument/2006/customXml" ds:itemID="{FA083D15-D3B0-42CA-9F2C-3FD56D056F53}">
+  <ds:schemaRefs>
+    <ds:schemaRef ds:uri="http://schemas.microsoft.com/office/2006/metadata/contentType"/>
+    <ds:schemaRef ds:uri="http://schemas.microsoft.com/office/2006/metadata/properties/metaAttributes"/>
+    <ds:schemaRef ds:uri="http://www.w3.org/2001/XMLSchema"/>
+    <ds:schemaRef ds:uri="http://schemas.microsoft.com/office/2006/metadata/properties"/>
+    <ds:schemaRef ds:uri="db86de20-5b36-4379-a333-8815ffcbadc9"/>
+    <ds:schemaRef ds:uri="a7c3daa9-1cd8-41a7-bff7-379b10ca1e4d"/>
+    <ds:schemaRef ds:uri="http://schemas.microsoft.com/office/2006/documentManagement/types"/>
+    <ds:schemaRef ds:uri="http://schemas.microsoft.com/office/infopath/2007/PartnerControls"/>
+    <ds:schemaRef ds:uri="http://schemas.openxmlformats.org/package/2006/metadata/core-properties"/>
+    <ds:schemaRef ds:uri="http://purl.org/dc/elements/1.1/"/>
+    <ds:schemaRef ds:uri="http://purl.org/dc/terms/"/>
+    <ds:schemaRef ds:uri="http://schemas.microsoft.com/internal/obd"/>
+  </ds:schemaRefs>
+</ds:datastoreItem>
+</file>
+
+<file path=customXml/itemProps2.xml><?xml version="1.0" encoding="utf-8"?>
+<ds:datastoreItem xmlns:ds="http://schemas.openxmlformats.org/officeDocument/2006/customXml" ds:itemID="{AF156B0E-1043-4DD6-904F-B23F10D11757}">
+  <ds:schemaRefs>
+    <ds:schemaRef ds:uri="http://schemas.microsoft.com/sharepoint/v3/contenttype/forms"/>
+  </ds:schemaRefs>
+</ds:datastoreItem>
+</file>
+
+<file path=customXml/itemProps3.xml><?xml version="1.0" encoding="utf-8"?>
 <ds:datastoreItem xmlns:ds="http://schemas.openxmlformats.org/officeDocument/2006/customXml" ds:itemID="{2DE62F0E-5950-41F4-B6FE-E4E8A22F9BDC}">
   <ds:schemaRefs>
     <ds:schemaRef ds:uri="00114e5a-7ea2-453b-b2c0-fa05960a63ad"/>
@@ -35760,31 +35811,4 @@
     <ds:schemaRef ds:uri="db86de20-5b36-4379-a333-8815ffcbadc9"/>
   </ds:schemaRefs>
 </ds:datastoreItem>
-</file>
-
-<file path=customXml/itemProps2.xml><?xml version="1.0" encoding="utf-8"?>
-<ds:datastoreItem xmlns:ds="http://schemas.openxmlformats.org/officeDocument/2006/customXml" ds:itemID="{AF156B0E-1043-4DD6-904F-B23F10D11757}">
-  <ds:schemaRefs>
-    <ds:schemaRef ds:uri="http://schemas.microsoft.com/sharepoint/v3/contenttype/forms"/>
-  </ds:schemaRefs>
-</ds:datastoreItem>
-</file>
-
-<file path=customXml/itemProps3.xml><?xml version="1.0" encoding="utf-8"?>
-<ds:datastoreItem xmlns:ds="http://schemas.openxmlformats.org/officeDocument/2006/customXml" ds:itemID="{FA083D15-D3B0-42CA-9F2C-3FD56D056F53}">
-  <ds:schemaRefs>
-    <ds:schemaRef ds:uri="http://schemas.microsoft.com/office/2006/metadata/contentType"/>
-    <ds:schemaRef ds:uri="http://schemas.microsoft.com/office/2006/metadata/properties/metaAttributes"/>
-    <ds:schemaRef ds:uri="http://www.w3.org/2001/XMLSchema"/>
-    <ds:schemaRef ds:uri="http://schemas.microsoft.com/office/2006/metadata/properties"/>
-    <ds:schemaRef ds:uri="db86de20-5b36-4379-a333-8815ffcbadc9"/>
-    <ds:schemaRef ds:uri="a7c3daa9-1cd8-41a7-bff7-379b10ca1e4d"/>
-    <ds:schemaRef ds:uri="http://schemas.microsoft.com/office/2006/documentManagement/types"/>
-    <ds:schemaRef ds:uri="http://schemas.microsoft.com/office/infopath/2007/PartnerControls"/>
-    <ds:schemaRef ds:uri="http://schemas.openxmlformats.org/package/2006/metadata/core-properties"/>
-    <ds:schemaRef ds:uri="http://purl.org/dc/elements/1.1/"/>
-    <ds:schemaRef ds:uri="http://purl.org/dc/terms/"/>
-    <ds:schemaRef ds:uri="http://schemas.microsoft.com/internal/obd"/>
-  </ds:schemaRefs>
-</ds:datastoreItem>
 </file>